--- a/Formatted_Slides/Module1_Video2.pptx
+++ b/Formatted_Slides/Module1_Video2.pptx
@@ -245,7 +245,7 @@
           <a:p>
             <a:fld id="{A1994904-53C7-FE4A-A4F3-9371B9AA3FA4}" type="datetimeFigureOut">
               <a:rPr lang="en-US" smtClean="0"/>
-              <a:t>8/4/2023</a:t>
+              <a:t>9/3/2023</a:t>
             </a:fld>
             <a:endParaRPr lang="en-US"/>
           </a:p>
